--- a/hr_efficiency/DataScience_CapstoneProject.pptx
+++ b/hr_efficiency/DataScience_CapstoneProject.pptx
@@ -5,7 +5,7 @@
     <p:sldMasterId id="2147483648" r:id="rId1"/>
   </p:sldMasterIdLst>
   <p:notesMasterIdLst>
-    <p:notesMasterId r:id="rId23"/>
+    <p:notesMasterId r:id="rId25"/>
   </p:notesMasterIdLst>
   <p:sldIdLst>
     <p:sldId id="256" r:id="rId2"/>
@@ -23,12 +23,14 @@
     <p:sldId id="269" r:id="rId14"/>
     <p:sldId id="270" r:id="rId15"/>
     <p:sldId id="272" r:id="rId16"/>
-    <p:sldId id="273" r:id="rId17"/>
-    <p:sldId id="274" r:id="rId18"/>
-    <p:sldId id="275" r:id="rId19"/>
-    <p:sldId id="276" r:id="rId20"/>
-    <p:sldId id="278" r:id="rId21"/>
-    <p:sldId id="279" r:id="rId22"/>
+    <p:sldId id="282" r:id="rId17"/>
+    <p:sldId id="283" r:id="rId18"/>
+    <p:sldId id="273" r:id="rId19"/>
+    <p:sldId id="274" r:id="rId20"/>
+    <p:sldId id="275" r:id="rId21"/>
+    <p:sldId id="276" r:id="rId22"/>
+    <p:sldId id="278" r:id="rId23"/>
+    <p:sldId id="279" r:id="rId24"/>
   </p:sldIdLst>
   <p:sldSz cx="12192000" cy="6858000"/>
   <p:notesSz cx="6858000" cy="9144000"/>
@@ -7881,7 +7883,7 @@
             <a:pPr algn="ctr"/>
             <a:r>
               <a:rPr lang="en-US" sz="4200" dirty="0" smtClean="0"/>
-              <a:t>Prediction and Regression</a:t>
+              <a:t>Unsupervised Algorithm</a:t>
             </a:r>
             <a:endParaRPr lang="en-US" sz="4200" dirty="0"/>
           </a:p>
@@ -8019,9 +8021,10 @@
           <a:lstStyle/>
           <a:p>
             <a:r>
-              <a:rPr lang="en-US" dirty="0"/>
-              <a:t>Prediction and Regression</a:t>
-            </a:r>
+              <a:rPr lang="en-US" dirty="0" smtClean="0"/>
+              <a:t>Cluster Analysis</a:t>
+            </a:r>
+            <a:endParaRPr lang="en-US" dirty="0"/>
           </a:p>
         </p:txBody>
       </p:sp>
@@ -8038,37 +8041,29 @@
         <p:spPr>
           <a:xfrm>
             <a:off x="1103312" y="2052918"/>
-            <a:ext cx="8946541" cy="2086596"/>
+            <a:ext cx="8946541" cy="1456401"/>
           </a:xfrm>
         </p:spPr>
         <p:txBody>
-          <a:bodyPr>
-            <a:normAutofit/>
-          </a:bodyPr>
+          <a:bodyPr/>
           <a:lstStyle/>
           <a:p>
             <a:r>
               <a:rPr lang="en-US" dirty="0" smtClean="0"/>
-              <a:t>Linear regression to predict ‘time spend in company’</a:t>
+              <a:t>Used K-means clustering</a:t>
             </a:r>
           </a:p>
           <a:p>
             <a:r>
               <a:rPr lang="en-US" dirty="0" smtClean="0"/>
-              <a:t>Logistics regression to predict the probability of employee leaving the company</a:t>
+              <a:t>Found 11 clusters as ideal number of clusters</a:t>
             </a:r>
           </a:p>
           <a:p>
             <a:r>
               <a:rPr lang="en-US" dirty="0" smtClean="0"/>
-              <a:t>Random forest </a:t>
-            </a:r>
-            <a:r>
-              <a:rPr lang="en-US" dirty="0"/>
-              <a:t>to predict the probability of employee leaving the company</a:t>
-            </a:r>
-          </a:p>
-          <a:p>
+              <a:t>Two components explain only 33.26% of point variability</a:t>
+            </a:r>
             <a:endParaRPr lang="en-US" dirty="0"/>
           </a:p>
         </p:txBody>
@@ -8085,7 +8080,7 @@
         </p:nvSpPr>
         <p:spPr>
           <a:xfrm>
-            <a:off x="11082396" y="6553201"/>
+            <a:off x="11020612" y="6371887"/>
             <a:ext cx="990599" cy="304799"/>
           </a:xfrm>
         </p:spPr>
@@ -8113,7 +8108,7 @@
         </p:nvSpPr>
         <p:spPr>
           <a:xfrm>
-            <a:off x="91778" y="6425697"/>
+            <a:off x="0" y="6438054"/>
             <a:ext cx="3859795" cy="304801"/>
           </a:xfrm>
         </p:spPr>
@@ -8152,10 +8147,70 @@
           </a:p>
         </p:txBody>
       </p:sp>
+      <p:pic>
+        <p:nvPicPr>
+          <p:cNvPr id="7" name="Picture 6"/>
+          <p:cNvPicPr>
+            <a:picLocks noChangeAspect="1"/>
+          </p:cNvPicPr>
+          <p:nvPr/>
+        </p:nvPicPr>
+        <p:blipFill>
+          <a:blip r:embed="rId2">
+            <a:extLst>
+              <a:ext uri="{28A0092B-C50C-407E-A947-70E740481C1C}">
+                <a14:useLocalDpi xmlns:a14="http://schemas.microsoft.com/office/drawing/2010/main" val="0"/>
+              </a:ext>
+            </a:extLst>
+          </a:blip>
+          <a:stretch>
+            <a:fillRect/>
+          </a:stretch>
+        </p:blipFill>
+        <p:spPr>
+          <a:xfrm>
+            <a:off x="498236" y="3509319"/>
+            <a:ext cx="5197389" cy="2687920"/>
+          </a:xfrm>
+          <a:prstGeom prst="rect">
+            <a:avLst/>
+          </a:prstGeom>
+        </p:spPr>
+      </p:pic>
+      <p:pic>
+        <p:nvPicPr>
+          <p:cNvPr id="8" name="Picture 7"/>
+          <p:cNvPicPr>
+            <a:picLocks noChangeAspect="1"/>
+          </p:cNvPicPr>
+          <p:nvPr/>
+        </p:nvPicPr>
+        <p:blipFill>
+          <a:blip r:embed="rId3">
+            <a:extLst>
+              <a:ext uri="{28A0092B-C50C-407E-A947-70E740481C1C}">
+                <a14:useLocalDpi xmlns:a14="http://schemas.microsoft.com/office/drawing/2010/main" val="0"/>
+              </a:ext>
+            </a:extLst>
+          </a:blip>
+          <a:stretch>
+            <a:fillRect/>
+          </a:stretch>
+        </p:blipFill>
+        <p:spPr>
+          <a:xfrm>
+            <a:off x="6223708" y="3509319"/>
+            <a:ext cx="4967031" cy="2687920"/>
+          </a:xfrm>
+          <a:prstGeom prst="rect">
+            <a:avLst/>
+          </a:prstGeom>
+        </p:spPr>
+      </p:pic>
     </p:spTree>
     <p:extLst>
       <p:ext uri="{BB962C8B-B14F-4D97-AF65-F5344CB8AC3E}">
-        <p14:creationId xmlns:p14="http://schemas.microsoft.com/office/powerpoint/2010/main" val="2013008396"/>
+        <p14:creationId xmlns:p14="http://schemas.microsoft.com/office/powerpoint/2010/main" val="2123262546"/>
       </p:ext>
     </p:extLst>
   </p:cSld>
@@ -8212,7 +8267,7 @@
             <a:pPr algn="ctr"/>
             <a:r>
               <a:rPr lang="en-US" sz="4200" dirty="0" smtClean="0"/>
-              <a:t>Linear Regression</a:t>
+              <a:t>Supervised Algorithm</a:t>
             </a:r>
             <a:endParaRPr lang="en-US" sz="4200" dirty="0"/>
           </a:p>
@@ -8300,7 +8355,7 @@
     </p:spTree>
     <p:extLst>
       <p:ext uri="{BB962C8B-B14F-4D97-AF65-F5344CB8AC3E}">
-        <p14:creationId xmlns:p14="http://schemas.microsoft.com/office/powerpoint/2010/main" val="1562751431"/>
+        <p14:creationId xmlns:p14="http://schemas.microsoft.com/office/powerpoint/2010/main" val="739040147"/>
       </p:ext>
     </p:extLst>
   </p:cSld>
@@ -8350,10 +8405,9 @@
           <a:lstStyle/>
           <a:p>
             <a:r>
-              <a:rPr lang="en-US" dirty="0" smtClean="0"/>
-              <a:t>Linear Regression</a:t>
-            </a:r>
-            <a:endParaRPr lang="en-US" dirty="0"/>
+              <a:rPr lang="en-US" dirty="0"/>
+              <a:t>Prediction and Regression</a:t>
+            </a:r>
           </a:p>
         </p:txBody>
       </p:sp>
@@ -8370,12 +8424,12 @@
         <p:spPr>
           <a:xfrm>
             <a:off x="1103312" y="2052918"/>
-            <a:ext cx="8946541" cy="2580866"/>
+            <a:ext cx="8946541" cy="2086596"/>
           </a:xfrm>
         </p:spPr>
         <p:txBody>
           <a:bodyPr>
-            <a:normAutofit fontScale="92500" lnSpcReduction="20000"/>
+            <a:normAutofit/>
           </a:bodyPr>
           <a:lstStyle/>
           <a:p>
@@ -8386,67 +8440,21 @@
           </a:p>
           <a:p>
             <a:r>
+              <a:rPr lang="en-US" dirty="0" smtClean="0"/>
+              <a:t>Logistics regression to predict the probability of employee leaving the company</a:t>
+            </a:r>
+          </a:p>
+          <a:p>
+            <a:r>
+              <a:rPr lang="en-US" dirty="0" smtClean="0"/>
+              <a:t>Random forest </a:t>
+            </a:r>
+            <a:r>
               <a:rPr lang="en-US" dirty="0"/>
-              <a:t>Adjusted R-squared: 0.09456 </a:t>
-            </a:r>
-            <a:r>
-              <a:rPr lang="en-US" dirty="0" smtClean="0"/>
-              <a:t> and Multiple </a:t>
-            </a:r>
-            <a:r>
-              <a:rPr lang="en-US" dirty="0"/>
-              <a:t>R-squared: </a:t>
-            </a:r>
-            <a:r>
-              <a:rPr lang="en-US" dirty="0" smtClean="0"/>
-              <a:t>0.09614</a:t>
-            </a:r>
-          </a:p>
-          <a:p>
-            <a:r>
-              <a:rPr lang="en-US" dirty="0" smtClean="0"/>
-              <a:t>Ran the model on test data</a:t>
-            </a:r>
-          </a:p>
-          <a:p>
-            <a:pPr lvl="1"/>
-            <a:r>
-              <a:rPr lang="en-US" dirty="0"/>
-              <a:t>The correlation </a:t>
-            </a:r>
-            <a:r>
-              <a:rPr lang="en-US" dirty="0" smtClean="0"/>
-              <a:t>coefficient of prediction on test was </a:t>
-            </a:r>
-            <a:r>
-              <a:rPr lang="en-US" dirty="0"/>
-              <a:t>low </a:t>
-            </a:r>
-            <a:r>
-              <a:rPr lang="en-US" b="1" dirty="0" smtClean="0"/>
-              <a:t>0.2653889</a:t>
-            </a:r>
-          </a:p>
-          <a:p>
-            <a:pPr lvl="1"/>
-            <a:r>
-              <a:rPr lang="en-US" i="1" dirty="0"/>
-              <a:t>Root mean squared errors (RMSE</a:t>
-            </a:r>
-            <a:r>
-              <a:rPr lang="en-US" i="1" dirty="0" smtClean="0"/>
-              <a:t>) was 1.4</a:t>
-            </a:r>
-          </a:p>
-          <a:p>
-            <a:r>
-              <a:rPr lang="en-US" i="1" dirty="0"/>
-              <a:t>Overall the model’s performance was poor, indicating the attributes in dataset has low correlation to predict dependent variable </a:t>
-            </a:r>
-            <a:r>
-              <a:rPr lang="en-US" i="1" dirty="0" err="1"/>
-              <a:t>time_spend_company</a:t>
-            </a:r>
+              <a:t>to predict the probability of employee leaving the company</a:t>
+            </a:r>
+          </a:p>
+          <a:p>
             <a:endParaRPr lang="en-US" dirty="0"/>
           </a:p>
         </p:txBody>
@@ -8533,7 +8541,7 @@
     </p:spTree>
     <p:extLst>
       <p:ext uri="{BB962C8B-B14F-4D97-AF65-F5344CB8AC3E}">
-        <p14:creationId xmlns:p14="http://schemas.microsoft.com/office/powerpoint/2010/main" val="899614895"/>
+        <p14:creationId xmlns:p14="http://schemas.microsoft.com/office/powerpoint/2010/main" val="2013008396"/>
       </p:ext>
     </p:extLst>
   </p:cSld>
@@ -8574,123 +8582,25 @@
             <a:spLocks noGrp="1"/>
           </p:cNvSpPr>
           <p:nvPr>
-            <p:ph type="title"/>
-          </p:nvPr>
-        </p:nvSpPr>
-        <p:spPr/>
-        <p:txBody>
-          <a:bodyPr/>
-          <a:lstStyle/>
-          <a:p>
-            <a:r>
-              <a:rPr lang="en-US" dirty="0" smtClean="0"/>
-              <a:t>Logistics Regression</a:t>
-            </a:r>
-            <a:endParaRPr lang="en-US" dirty="0"/>
-          </a:p>
-        </p:txBody>
-      </p:sp>
-      <p:sp>
-        <p:nvSpPr>
-          <p:cNvPr id="3" name="Content Placeholder 2"/>
-          <p:cNvSpPr>
-            <a:spLocks noGrp="1"/>
-          </p:cNvSpPr>
-          <p:nvPr>
-            <p:ph idx="1"/>
+            <p:ph type="ctrTitle"/>
           </p:nvPr>
         </p:nvSpPr>
         <p:spPr>
           <a:xfrm>
-            <a:off x="1103312" y="2052917"/>
-            <a:ext cx="8946541" cy="3989537"/>
+            <a:off x="1290879" y="3212757"/>
+            <a:ext cx="8825658" cy="823219"/>
           </a:xfrm>
         </p:spPr>
         <p:txBody>
-          <a:bodyPr>
-            <a:normAutofit fontScale="92500" lnSpcReduction="10000"/>
-          </a:bodyPr>
-          <a:lstStyle/>
-          <a:p>
-            <a:r>
-              <a:rPr lang="en-US" dirty="0" smtClean="0"/>
-              <a:t>Logistics regression to predict ‘left’</a:t>
-            </a:r>
-          </a:p>
-          <a:p>
-            <a:r>
-              <a:rPr lang="en-US" dirty="0" smtClean="0"/>
-              <a:t>Model had for training data set</a:t>
-            </a:r>
-          </a:p>
-          <a:p>
-            <a:pPr lvl="1"/>
-            <a:r>
-              <a:rPr lang="en-US" dirty="0"/>
-              <a:t>Accuracy : 0.8612 </a:t>
-            </a:r>
-            <a:endParaRPr lang="en-US" dirty="0" smtClean="0"/>
-          </a:p>
-          <a:p>
-            <a:pPr lvl="1"/>
-            <a:r>
-              <a:rPr lang="en-US" dirty="0"/>
-              <a:t>Sensitivity : 0.9221 </a:t>
-            </a:r>
-          </a:p>
-          <a:p>
-            <a:pPr lvl="1"/>
-            <a:r>
-              <a:rPr lang="en-US" dirty="0" smtClean="0"/>
-              <a:t>Specificity </a:t>
-            </a:r>
-            <a:r>
-              <a:rPr lang="en-US" dirty="0"/>
-              <a:t>: 0.6664 </a:t>
-            </a:r>
-            <a:endParaRPr lang="en-US" dirty="0" smtClean="0"/>
-          </a:p>
-          <a:p>
-            <a:r>
-              <a:rPr lang="en-US" dirty="0" smtClean="0"/>
-              <a:t>For test dataset</a:t>
-            </a:r>
-          </a:p>
-          <a:p>
-            <a:pPr lvl="1"/>
-            <a:r>
-              <a:rPr lang="en-US" dirty="0"/>
-              <a:t>Accuracy : </a:t>
-            </a:r>
-            <a:r>
-              <a:rPr lang="en-US" dirty="0" smtClean="0"/>
-              <a:t>0.862</a:t>
-            </a:r>
-          </a:p>
-          <a:p>
-            <a:pPr lvl="1"/>
-            <a:r>
-              <a:rPr lang="en-US" dirty="0"/>
-              <a:t>Sensitivity : 0.9182 </a:t>
-            </a:r>
-          </a:p>
-          <a:p>
-            <a:pPr lvl="1"/>
-            <a:r>
-              <a:rPr lang="en-US" dirty="0" smtClean="0"/>
-              <a:t>Specificity </a:t>
-            </a:r>
-            <a:r>
-              <a:rPr lang="en-US" dirty="0"/>
-              <a:t>: 0.6821 </a:t>
-            </a:r>
-          </a:p>
-          <a:p>
-            <a:r>
-              <a:rPr lang="en-US" i="1" dirty="0" smtClean="0"/>
-              <a:t>Overall the model’s performance was good, had good accuracy and sensitivity but poor specificity</a:t>
-            </a:r>
-            <a:endParaRPr lang="en-US" dirty="0"/>
+          <a:bodyPr/>
+          <a:lstStyle/>
+          <a:p>
+            <a:pPr algn="ctr"/>
+            <a:r>
+              <a:rPr lang="en-US" sz="4200" dirty="0" smtClean="0"/>
+              <a:t>Linear Regression</a:t>
+            </a:r>
+            <a:endParaRPr lang="en-US" sz="4200" dirty="0"/>
           </a:p>
         </p:txBody>
       </p:sp>
@@ -8706,7 +8616,7 @@
         </p:nvSpPr>
         <p:spPr>
           <a:xfrm>
-            <a:off x="11082396" y="6553201"/>
+            <a:off x="11033871" y="6461555"/>
             <a:ext cx="990599" cy="304799"/>
           </a:xfrm>
         </p:spPr>
@@ -8714,7 +8624,7 @@
           <a:bodyPr/>
           <a:lstStyle/>
           <a:p>
-            <a:fld id="{5CE662F9-D9F8-4C4C-9198-B6D13E499330}" type="datetime1">
+            <a:fld id="{8AC806E4-3D1F-AF41-AB1F-4D34E541AFD0}" type="datetime1">
               <a:rPr lang="en-US" smtClean="0"/>
               <a:t>3/20/17</a:t>
             </a:fld>
@@ -8734,7 +8644,7 @@
         </p:nvSpPr>
         <p:spPr>
           <a:xfrm>
-            <a:off x="91778" y="6425697"/>
+            <a:off x="71718" y="6461555"/>
             <a:ext cx="3859795" cy="304801"/>
           </a:xfrm>
         </p:spPr>
@@ -8776,7 +8686,7 @@
     </p:spTree>
     <p:extLst>
       <p:ext uri="{BB962C8B-B14F-4D97-AF65-F5344CB8AC3E}">
-        <p14:creationId xmlns:p14="http://schemas.microsoft.com/office/powerpoint/2010/main" val="1922371335"/>
+        <p14:creationId xmlns:p14="http://schemas.microsoft.com/office/powerpoint/2010/main" val="1562751431"/>
       </p:ext>
     </p:extLst>
   </p:cSld>
@@ -8972,7 +8882,240 @@
           <a:p>
             <a:r>
               <a:rPr lang="en-US" dirty="0" smtClean="0"/>
-              <a:t>Random Forest</a:t>
+              <a:t>Linear Regression</a:t>
+            </a:r>
+            <a:endParaRPr lang="en-US" dirty="0"/>
+          </a:p>
+        </p:txBody>
+      </p:sp>
+      <p:sp>
+        <p:nvSpPr>
+          <p:cNvPr id="3" name="Content Placeholder 2"/>
+          <p:cNvSpPr>
+            <a:spLocks noGrp="1"/>
+          </p:cNvSpPr>
+          <p:nvPr>
+            <p:ph idx="1"/>
+          </p:nvPr>
+        </p:nvSpPr>
+        <p:spPr>
+          <a:xfrm>
+            <a:off x="1103312" y="2052918"/>
+            <a:ext cx="8946541" cy="2580866"/>
+          </a:xfrm>
+        </p:spPr>
+        <p:txBody>
+          <a:bodyPr>
+            <a:normAutofit fontScale="92500" lnSpcReduction="20000"/>
+          </a:bodyPr>
+          <a:lstStyle/>
+          <a:p>
+            <a:r>
+              <a:rPr lang="en-US" dirty="0" smtClean="0"/>
+              <a:t>Linear regression to predict ‘time spend in company’</a:t>
+            </a:r>
+          </a:p>
+          <a:p>
+            <a:r>
+              <a:rPr lang="en-US" dirty="0"/>
+              <a:t>Adjusted R-squared: 0.09456 </a:t>
+            </a:r>
+            <a:r>
+              <a:rPr lang="en-US" dirty="0" smtClean="0"/>
+              <a:t> and Multiple </a:t>
+            </a:r>
+            <a:r>
+              <a:rPr lang="en-US" dirty="0"/>
+              <a:t>R-squared: </a:t>
+            </a:r>
+            <a:r>
+              <a:rPr lang="en-US" dirty="0" smtClean="0"/>
+              <a:t>0.09614</a:t>
+            </a:r>
+          </a:p>
+          <a:p>
+            <a:r>
+              <a:rPr lang="en-US" dirty="0" smtClean="0"/>
+              <a:t>Ran the model on test data</a:t>
+            </a:r>
+          </a:p>
+          <a:p>
+            <a:pPr lvl="1"/>
+            <a:r>
+              <a:rPr lang="en-US" dirty="0"/>
+              <a:t>The correlation </a:t>
+            </a:r>
+            <a:r>
+              <a:rPr lang="en-US" dirty="0" smtClean="0"/>
+              <a:t>coefficient of prediction on test was </a:t>
+            </a:r>
+            <a:r>
+              <a:rPr lang="en-US" dirty="0"/>
+              <a:t>low </a:t>
+            </a:r>
+            <a:r>
+              <a:rPr lang="en-US" b="1" dirty="0" smtClean="0"/>
+              <a:t>0.2653889</a:t>
+            </a:r>
+          </a:p>
+          <a:p>
+            <a:pPr lvl="1"/>
+            <a:r>
+              <a:rPr lang="en-US" i="1" dirty="0"/>
+              <a:t>Root mean squared errors (RMSE</a:t>
+            </a:r>
+            <a:r>
+              <a:rPr lang="en-US" i="1" dirty="0" smtClean="0"/>
+              <a:t>) was 1.4</a:t>
+            </a:r>
+          </a:p>
+          <a:p>
+            <a:r>
+              <a:rPr lang="en-US" i="1" dirty="0"/>
+              <a:t>Overall the model’s performance was poor, indicating the attributes in dataset has low correlation to predict dependent variable </a:t>
+            </a:r>
+            <a:r>
+              <a:rPr lang="en-US" i="1" dirty="0" err="1"/>
+              <a:t>time_spend_company</a:t>
+            </a:r>
+            <a:endParaRPr lang="en-US" dirty="0"/>
+          </a:p>
+        </p:txBody>
+      </p:sp>
+      <p:sp>
+        <p:nvSpPr>
+          <p:cNvPr id="4" name="Date Placeholder 3"/>
+          <p:cNvSpPr>
+            <a:spLocks noGrp="1"/>
+          </p:cNvSpPr>
+          <p:nvPr>
+            <p:ph type="dt" sz="half" idx="10"/>
+          </p:nvPr>
+        </p:nvSpPr>
+        <p:spPr>
+          <a:xfrm>
+            <a:off x="11082396" y="6553201"/>
+            <a:ext cx="990599" cy="304799"/>
+          </a:xfrm>
+        </p:spPr>
+        <p:txBody>
+          <a:bodyPr/>
+          <a:lstStyle/>
+          <a:p>
+            <a:fld id="{5CE662F9-D9F8-4C4C-9198-B6D13E499330}" type="datetime1">
+              <a:rPr lang="en-US" smtClean="0"/>
+              <a:t>3/20/17</a:t>
+            </a:fld>
+            <a:endParaRPr lang="en-US" dirty="0"/>
+          </a:p>
+        </p:txBody>
+      </p:sp>
+      <p:sp>
+        <p:nvSpPr>
+          <p:cNvPr id="5" name="Footer Placeholder 4"/>
+          <p:cNvSpPr>
+            <a:spLocks noGrp="1"/>
+          </p:cNvSpPr>
+          <p:nvPr>
+            <p:ph type="ftr" sz="quarter" idx="11"/>
+          </p:nvPr>
+        </p:nvSpPr>
+        <p:spPr>
+          <a:xfrm>
+            <a:off x="91778" y="6425697"/>
+            <a:ext cx="3859795" cy="304801"/>
+          </a:xfrm>
+        </p:spPr>
+        <p:txBody>
+          <a:bodyPr/>
+          <a:lstStyle/>
+          <a:p>
+            <a:r>
+              <a:rPr lang="en-US" smtClean="0"/>
+              <a:t>HR Efficiency Analysis</a:t>
+            </a:r>
+            <a:endParaRPr lang="en-US" dirty="0"/>
+          </a:p>
+        </p:txBody>
+      </p:sp>
+      <p:sp>
+        <p:nvSpPr>
+          <p:cNvPr id="6" name="Slide Number Placeholder 5"/>
+          <p:cNvSpPr>
+            <a:spLocks noGrp="1"/>
+          </p:cNvSpPr>
+          <p:nvPr>
+            <p:ph type="sldNum" sz="quarter" idx="12"/>
+          </p:nvPr>
+        </p:nvSpPr>
+        <p:spPr/>
+        <p:txBody>
+          <a:bodyPr/>
+          <a:lstStyle/>
+          <a:p>
+            <a:fld id="{D57F1E4F-1CFF-5643-939E-02111984F565}" type="slidenum">
+              <a:rPr lang="en-US" smtClean="0"/>
+              <a:t>20</a:t>
+            </a:fld>
+            <a:endParaRPr lang="en-US" dirty="0"/>
+          </a:p>
+        </p:txBody>
+      </p:sp>
+    </p:spTree>
+    <p:extLst>
+      <p:ext uri="{BB962C8B-B14F-4D97-AF65-F5344CB8AC3E}">
+        <p14:creationId xmlns:p14="http://schemas.microsoft.com/office/powerpoint/2010/main" val="899614895"/>
+      </p:ext>
+    </p:extLst>
+  </p:cSld>
+  <p:clrMapOvr>
+    <a:masterClrMapping/>
+  </p:clrMapOvr>
+  <p:timing>
+    <p:tnLst>
+      <p:par>
+        <p:cTn id="1" dur="indefinite" restart="never" nodeType="tmRoot"/>
+      </p:par>
+    </p:tnLst>
+  </p:timing>
+</p:sld>
+</file>
+
+<file path=ppt/slides/slide21.xml><?xml version="1.0" encoding="utf-8"?>
+<p:sld xmlns:a="http://schemas.openxmlformats.org/drawingml/2006/main" xmlns:r="http://schemas.openxmlformats.org/officeDocument/2006/relationships" xmlns:p="http://schemas.openxmlformats.org/presentationml/2006/main">
+  <p:cSld>
+    <p:spTree>
+      <p:nvGrpSpPr>
+        <p:cNvPr id="1" name=""/>
+        <p:cNvGrpSpPr/>
+        <p:nvPr/>
+      </p:nvGrpSpPr>
+      <p:grpSpPr>
+        <a:xfrm>
+          <a:off x="0" y="0"/>
+          <a:ext cx="0" cy="0"/>
+          <a:chOff x="0" y="0"/>
+          <a:chExt cx="0" cy="0"/>
+        </a:xfrm>
+      </p:grpSpPr>
+      <p:sp>
+        <p:nvSpPr>
+          <p:cNvPr id="2" name="Title 1"/>
+          <p:cNvSpPr>
+            <a:spLocks noGrp="1"/>
+          </p:cNvSpPr>
+          <p:nvPr>
+            <p:ph type="title"/>
+          </p:nvPr>
+        </p:nvSpPr>
+        <p:spPr/>
+        <p:txBody>
+          <a:bodyPr/>
+          <a:lstStyle/>
+          <a:p>
+            <a:r>
+              <a:rPr lang="en-US" dirty="0" smtClean="0"/>
+              <a:t>Logistics Regression</a:t>
             </a:r>
             <a:endParaRPr lang="en-US" dirty="0"/>
           </a:p>
@@ -8996,13 +9139,13 @@
         </p:spPr>
         <p:txBody>
           <a:bodyPr>
-            <a:normAutofit lnSpcReduction="10000"/>
+            <a:normAutofit fontScale="92500" lnSpcReduction="10000"/>
           </a:bodyPr>
           <a:lstStyle/>
           <a:p>
             <a:r>
               <a:rPr lang="en-US" dirty="0" smtClean="0"/>
-              <a:t>Random forest to predict ‘left’</a:t>
+              <a:t>Logistics regression to predict ‘left’</a:t>
             </a:r>
           </a:p>
           <a:p>
@@ -9015,7 +9158,7 @@
             <a:pPr lvl="1"/>
             <a:r>
               <a:rPr lang="en-US" dirty="0"/>
-              <a:t>Accuracy : 0.9872 </a:t>
+              <a:t>Accuracy : 0.8612 </a:t>
             </a:r>
             <a:endParaRPr lang="en-US" dirty="0" smtClean="0"/>
           </a:p>
@@ -9023,23 +9166,20 @@
             <a:pPr lvl="1"/>
             <a:r>
               <a:rPr lang="en-US" dirty="0"/>
-              <a:t>Sensitivity : </a:t>
-            </a:r>
+              <a:t>Sensitivity : 0.9221 </a:t>
+            </a:r>
+          </a:p>
+          <a:p>
+            <a:pPr lvl="1"/>
             <a:r>
               <a:rPr lang="en-US" dirty="0" smtClean="0"/>
-              <a:t>0.9975</a:t>
-            </a:r>
-          </a:p>
-          <a:p>
-            <a:pPr lvl="1"/>
+              <a:t>Specificity </a:t>
+            </a:r>
             <a:r>
               <a:rPr lang="en-US" dirty="0"/>
-              <a:t>Specificity : </a:t>
-            </a:r>
-            <a:r>
-              <a:rPr lang="en-US" dirty="0" smtClean="0"/>
-              <a:t>0.9545</a:t>
-            </a:r>
+              <a:t>: 0.6664 </a:t>
+            </a:r>
+            <a:endParaRPr lang="en-US" dirty="0" smtClean="0"/>
           </a:p>
           <a:p>
             <a:r>
@@ -9055,27 +9195,31 @@
             </a:r>
             <a:r>
               <a:rPr lang="en-US" dirty="0" smtClean="0"/>
-              <a:t>0.9793</a:t>
+              <a:t>0.862</a:t>
             </a:r>
           </a:p>
           <a:p>
             <a:pPr lvl="1"/>
             <a:r>
               <a:rPr lang="en-US" dirty="0"/>
-              <a:t>Sensitivity : 0.9961 </a:t>
+              <a:t>Sensitivity : 0.9182 </a:t>
             </a:r>
           </a:p>
           <a:p>
             <a:pPr lvl="1"/>
             <a:r>
+              <a:rPr lang="en-US" dirty="0" smtClean="0"/>
+              <a:t>Specificity </a:t>
+            </a:r>
+            <a:r>
               <a:rPr lang="en-US" dirty="0"/>
-              <a:t>Specificity : 0.9258 </a:t>
+              <a:t>: 0.6821 </a:t>
             </a:r>
           </a:p>
           <a:p>
             <a:r>
               <a:rPr lang="en-US" i="1" dirty="0" smtClean="0"/>
-              <a:t>Overall the model’s performance was excellent.</a:t>
+              <a:t>Overall the model’s performance was good, had good accuracy and sensitivity but poor specificity</a:t>
             </a:r>
             <a:endParaRPr lang="en-US" dirty="0"/>
           </a:p>
@@ -9154,7 +9298,249 @@
           <a:p>
             <a:fld id="{D57F1E4F-1CFF-5643-939E-02111984F565}" type="slidenum">
               <a:rPr lang="en-US" smtClean="0"/>
-              <a:t>20</a:t>
+              <a:t>21</a:t>
+            </a:fld>
+            <a:endParaRPr lang="en-US" dirty="0"/>
+          </a:p>
+        </p:txBody>
+      </p:sp>
+    </p:spTree>
+    <p:extLst>
+      <p:ext uri="{BB962C8B-B14F-4D97-AF65-F5344CB8AC3E}">
+        <p14:creationId xmlns:p14="http://schemas.microsoft.com/office/powerpoint/2010/main" val="1922371335"/>
+      </p:ext>
+    </p:extLst>
+  </p:cSld>
+  <p:clrMapOvr>
+    <a:masterClrMapping/>
+  </p:clrMapOvr>
+  <p:timing>
+    <p:tnLst>
+      <p:par>
+        <p:cTn id="1" dur="indefinite" restart="never" nodeType="tmRoot"/>
+      </p:par>
+    </p:tnLst>
+  </p:timing>
+</p:sld>
+</file>
+
+<file path=ppt/slides/slide22.xml><?xml version="1.0" encoding="utf-8"?>
+<p:sld xmlns:a="http://schemas.openxmlformats.org/drawingml/2006/main" xmlns:r="http://schemas.openxmlformats.org/officeDocument/2006/relationships" xmlns:p="http://schemas.openxmlformats.org/presentationml/2006/main">
+  <p:cSld>
+    <p:spTree>
+      <p:nvGrpSpPr>
+        <p:cNvPr id="1" name=""/>
+        <p:cNvGrpSpPr/>
+        <p:nvPr/>
+      </p:nvGrpSpPr>
+      <p:grpSpPr>
+        <a:xfrm>
+          <a:off x="0" y="0"/>
+          <a:ext cx="0" cy="0"/>
+          <a:chOff x="0" y="0"/>
+          <a:chExt cx="0" cy="0"/>
+        </a:xfrm>
+      </p:grpSpPr>
+      <p:sp>
+        <p:nvSpPr>
+          <p:cNvPr id="2" name="Title 1"/>
+          <p:cNvSpPr>
+            <a:spLocks noGrp="1"/>
+          </p:cNvSpPr>
+          <p:nvPr>
+            <p:ph type="title"/>
+          </p:nvPr>
+        </p:nvSpPr>
+        <p:spPr/>
+        <p:txBody>
+          <a:bodyPr/>
+          <a:lstStyle/>
+          <a:p>
+            <a:r>
+              <a:rPr lang="en-US" dirty="0" smtClean="0"/>
+              <a:t>Random Forest</a:t>
+            </a:r>
+            <a:endParaRPr lang="en-US" dirty="0"/>
+          </a:p>
+        </p:txBody>
+      </p:sp>
+      <p:sp>
+        <p:nvSpPr>
+          <p:cNvPr id="3" name="Content Placeholder 2"/>
+          <p:cNvSpPr>
+            <a:spLocks noGrp="1"/>
+          </p:cNvSpPr>
+          <p:nvPr>
+            <p:ph idx="1"/>
+          </p:nvPr>
+        </p:nvSpPr>
+        <p:spPr>
+          <a:xfrm>
+            <a:off x="1103312" y="2052917"/>
+            <a:ext cx="8946541" cy="3989537"/>
+          </a:xfrm>
+        </p:spPr>
+        <p:txBody>
+          <a:bodyPr>
+            <a:normAutofit lnSpcReduction="10000"/>
+          </a:bodyPr>
+          <a:lstStyle/>
+          <a:p>
+            <a:r>
+              <a:rPr lang="en-US" dirty="0" smtClean="0"/>
+              <a:t>Random forest to predict ‘left’</a:t>
+            </a:r>
+          </a:p>
+          <a:p>
+            <a:r>
+              <a:rPr lang="en-US" dirty="0" smtClean="0"/>
+              <a:t>Model had for training data set</a:t>
+            </a:r>
+          </a:p>
+          <a:p>
+            <a:pPr lvl="1"/>
+            <a:r>
+              <a:rPr lang="en-US" dirty="0"/>
+              <a:t>Accuracy : 0.9872 </a:t>
+            </a:r>
+            <a:endParaRPr lang="en-US" dirty="0" smtClean="0"/>
+          </a:p>
+          <a:p>
+            <a:pPr lvl="1"/>
+            <a:r>
+              <a:rPr lang="en-US" dirty="0"/>
+              <a:t>Sensitivity : </a:t>
+            </a:r>
+            <a:r>
+              <a:rPr lang="en-US" dirty="0" smtClean="0"/>
+              <a:t>0.9975</a:t>
+            </a:r>
+          </a:p>
+          <a:p>
+            <a:pPr lvl="1"/>
+            <a:r>
+              <a:rPr lang="en-US" dirty="0"/>
+              <a:t>Specificity : </a:t>
+            </a:r>
+            <a:r>
+              <a:rPr lang="en-US" dirty="0" smtClean="0"/>
+              <a:t>0.9545</a:t>
+            </a:r>
+          </a:p>
+          <a:p>
+            <a:r>
+              <a:rPr lang="en-US" dirty="0" smtClean="0"/>
+              <a:t>For test dataset</a:t>
+            </a:r>
+          </a:p>
+          <a:p>
+            <a:pPr lvl="1"/>
+            <a:r>
+              <a:rPr lang="en-US" dirty="0"/>
+              <a:t>Accuracy : </a:t>
+            </a:r>
+            <a:r>
+              <a:rPr lang="en-US" dirty="0" smtClean="0"/>
+              <a:t>0.9793</a:t>
+            </a:r>
+          </a:p>
+          <a:p>
+            <a:pPr lvl="1"/>
+            <a:r>
+              <a:rPr lang="en-US" dirty="0"/>
+              <a:t>Sensitivity : 0.9961 </a:t>
+            </a:r>
+          </a:p>
+          <a:p>
+            <a:pPr lvl="1"/>
+            <a:r>
+              <a:rPr lang="en-US" dirty="0"/>
+              <a:t>Specificity : 0.9258 </a:t>
+            </a:r>
+          </a:p>
+          <a:p>
+            <a:r>
+              <a:rPr lang="en-US" i="1" dirty="0" smtClean="0"/>
+              <a:t>Overall the model’s performance was excellent.</a:t>
+            </a:r>
+            <a:endParaRPr lang="en-US" dirty="0"/>
+          </a:p>
+        </p:txBody>
+      </p:sp>
+      <p:sp>
+        <p:nvSpPr>
+          <p:cNvPr id="4" name="Date Placeholder 3"/>
+          <p:cNvSpPr>
+            <a:spLocks noGrp="1"/>
+          </p:cNvSpPr>
+          <p:nvPr>
+            <p:ph type="dt" sz="half" idx="10"/>
+          </p:nvPr>
+        </p:nvSpPr>
+        <p:spPr>
+          <a:xfrm>
+            <a:off x="11082396" y="6553201"/>
+            <a:ext cx="990599" cy="304799"/>
+          </a:xfrm>
+        </p:spPr>
+        <p:txBody>
+          <a:bodyPr/>
+          <a:lstStyle/>
+          <a:p>
+            <a:fld id="{5CE662F9-D9F8-4C4C-9198-B6D13E499330}" type="datetime1">
+              <a:rPr lang="en-US" smtClean="0"/>
+              <a:t>3/20/17</a:t>
+            </a:fld>
+            <a:endParaRPr lang="en-US" dirty="0"/>
+          </a:p>
+        </p:txBody>
+      </p:sp>
+      <p:sp>
+        <p:nvSpPr>
+          <p:cNvPr id="5" name="Footer Placeholder 4"/>
+          <p:cNvSpPr>
+            <a:spLocks noGrp="1"/>
+          </p:cNvSpPr>
+          <p:nvPr>
+            <p:ph type="ftr" sz="quarter" idx="11"/>
+          </p:nvPr>
+        </p:nvSpPr>
+        <p:spPr>
+          <a:xfrm>
+            <a:off x="91778" y="6425697"/>
+            <a:ext cx="3859795" cy="304801"/>
+          </a:xfrm>
+        </p:spPr>
+        <p:txBody>
+          <a:bodyPr/>
+          <a:lstStyle/>
+          <a:p>
+            <a:r>
+              <a:rPr lang="en-US" smtClean="0"/>
+              <a:t>HR Efficiency Analysis</a:t>
+            </a:r>
+            <a:endParaRPr lang="en-US" dirty="0"/>
+          </a:p>
+        </p:txBody>
+      </p:sp>
+      <p:sp>
+        <p:nvSpPr>
+          <p:cNvPr id="6" name="Slide Number Placeholder 5"/>
+          <p:cNvSpPr>
+            <a:spLocks noGrp="1"/>
+          </p:cNvSpPr>
+          <p:nvPr>
+            <p:ph type="sldNum" sz="quarter" idx="12"/>
+          </p:nvPr>
+        </p:nvSpPr>
+        <p:spPr/>
+        <p:txBody>
+          <a:bodyPr/>
+          <a:lstStyle/>
+          <a:p>
+            <a:fld id="{D57F1E4F-1CFF-5643-939E-02111984F565}" type="slidenum">
+              <a:rPr lang="en-US" smtClean="0"/>
+              <a:t>22</a:t>
             </a:fld>
             <a:endParaRPr lang="en-US" dirty="0"/>
           </a:p>
@@ -9180,7 +9566,7 @@
 </p:sld>
 </file>
 
-<file path=ppt/slides/slide21.xml><?xml version="1.0" encoding="utf-8"?>
+<file path=ppt/slides/slide23.xml><?xml version="1.0" encoding="utf-8"?>
 <p:sld xmlns:a="http://schemas.openxmlformats.org/drawingml/2006/main" xmlns:r="http://schemas.openxmlformats.org/officeDocument/2006/relationships" xmlns:p="http://schemas.openxmlformats.org/presentationml/2006/main">
   <p:cSld>
     <p:spTree>
@@ -11655,7 +12041,7 @@
           <a:p>
             <a:fld id="{D57F1E4F-1CFF-5643-939E-02111984F565}" type="slidenum">
               <a:rPr lang="en-US" smtClean="0"/>
-              <a:t>21</a:t>
+              <a:t>23</a:t>
             </a:fld>
             <a:endParaRPr lang="en-US" dirty="0"/>
           </a:p>
